--- a/KKBox Part 1 - Customer Churn Prediction/Legacy Documents/Visual Assests.pptx
+++ b/KKBox Part 1 - Customer Churn Prediction/Legacy Documents/Visual Assests.pptx
@@ -145,7 +145,7 @@
 <file path=ppt/revisionInfo.xml><?xml version="1.0" encoding="utf-8"?>
 <p1510:revInfo xmlns:a="http://schemas.openxmlformats.org/drawingml/2006/main" xmlns:r="http://schemas.openxmlformats.org/officeDocument/2006/relationships" xmlns:p1510="http://schemas.microsoft.com/office/powerpoint/2015/10/main">
   <p1510:revLst>
-    <p1510:client id="{6605CA88-8F9B-435D-B43A-43B3E10257E4}" v="5" dt="2019-11-14T21:54:40.480"/>
+    <p1510:client id="{E8347016-50A1-4A32-B5FA-6E539262ECF2}" v="10" dt="2019-12-18T14:41:18.918"/>
   </p1510:revLst>
 </p1510:revInfo>
 </file>
@@ -2414,6 +2414,124 @@
             <pc:docMk/>
             <pc:sldMk cId="1070540799" sldId="288"/>
             <ac:picMk id="5" creationId="{25EEA9D0-47F5-49AA-BCBF-40386CF98D8A}"/>
+          </ac:picMkLst>
+        </pc:picChg>
+      </pc:sldChg>
+    </pc:docChg>
+  </pc:docChgLst>
+  <pc:docChgLst>
+    <pc:chgData name="John Dango" userId="84ae54e972e39744" providerId="LiveId" clId="{E8347016-50A1-4A32-B5FA-6E539262ECF2}"/>
+    <pc:docChg chg="undo custSel modSld">
+      <pc:chgData name="John Dango" userId="84ae54e972e39744" providerId="LiveId" clId="{E8347016-50A1-4A32-B5FA-6E539262ECF2}" dt="2019-12-18T14:41:30.531" v="66" actId="1035"/>
+      <pc:docMkLst>
+        <pc:docMk/>
+      </pc:docMkLst>
+      <pc:sldChg chg="addSp modSp">
+        <pc:chgData name="John Dango" userId="84ae54e972e39744" providerId="LiveId" clId="{E8347016-50A1-4A32-B5FA-6E539262ECF2}" dt="2019-12-18T14:29:19.256" v="5" actId="20577"/>
+        <pc:sldMkLst>
+          <pc:docMk/>
+          <pc:sldMk cId="1193646469" sldId="275"/>
+        </pc:sldMkLst>
+        <pc:spChg chg="mod">
+          <ac:chgData name="John Dango" userId="84ae54e972e39744" providerId="LiveId" clId="{E8347016-50A1-4A32-B5FA-6E539262ECF2}" dt="2019-12-18T14:29:19.256" v="5" actId="20577"/>
+          <ac:spMkLst>
+            <pc:docMk/>
+            <pc:sldMk cId="1193646469" sldId="275"/>
+            <ac:spMk id="7" creationId="{CD1B90A6-8EAC-4442-988E-B281027BCC4B}"/>
+          </ac:spMkLst>
+        </pc:spChg>
+        <pc:picChg chg="add mod">
+          <ac:chgData name="John Dango" userId="84ae54e972e39744" providerId="LiveId" clId="{E8347016-50A1-4A32-B5FA-6E539262ECF2}" dt="2019-12-18T14:29:14.678" v="2" actId="14100"/>
+          <ac:picMkLst>
+            <pc:docMk/>
+            <pc:sldMk cId="1193646469" sldId="275"/>
+            <ac:picMk id="2" creationId="{7E64EE31-5696-48C1-8056-906512FFAF31}"/>
+          </ac:picMkLst>
+        </pc:picChg>
+      </pc:sldChg>
+      <pc:sldChg chg="addSp delSp modSp">
+        <pc:chgData name="John Dango" userId="84ae54e972e39744" providerId="LiveId" clId="{E8347016-50A1-4A32-B5FA-6E539262ECF2}" dt="2019-12-18T14:31:38.792" v="12" actId="1076"/>
+        <pc:sldMkLst>
+          <pc:docMk/>
+          <pc:sldMk cId="1711688839" sldId="277"/>
+        </pc:sldMkLst>
+        <pc:picChg chg="add del">
+          <ac:chgData name="John Dango" userId="84ae54e972e39744" providerId="LiveId" clId="{E8347016-50A1-4A32-B5FA-6E539262ECF2}" dt="2019-12-18T14:31:08.554" v="8"/>
+          <ac:picMkLst>
+            <pc:docMk/>
+            <pc:sldMk cId="1711688839" sldId="277"/>
+            <ac:picMk id="2" creationId="{76B56257-EAB6-4491-BC60-E6001839D03B}"/>
+          </ac:picMkLst>
+        </pc:picChg>
+        <pc:picChg chg="add mod">
+          <ac:chgData name="John Dango" userId="84ae54e972e39744" providerId="LiveId" clId="{E8347016-50A1-4A32-B5FA-6E539262ECF2}" dt="2019-12-18T14:31:38.792" v="12" actId="1076"/>
+          <ac:picMkLst>
+            <pc:docMk/>
+            <pc:sldMk cId="1711688839" sldId="277"/>
+            <ac:picMk id="3" creationId="{6A24DC74-666A-43D4-89A1-A2A034839D84}"/>
+          </ac:picMkLst>
+        </pc:picChg>
+        <pc:picChg chg="del">
+          <ac:chgData name="John Dango" userId="84ae54e972e39744" providerId="LiveId" clId="{E8347016-50A1-4A32-B5FA-6E539262ECF2}" dt="2019-12-18T14:31:06.502" v="6" actId="478"/>
+          <ac:picMkLst>
+            <pc:docMk/>
+            <pc:sldMk cId="1711688839" sldId="277"/>
+            <ac:picMk id="17" creationId="{B48C28B0-137B-4CB9-AB4C-23E22CB50F3A}"/>
+          </ac:picMkLst>
+        </pc:picChg>
+      </pc:sldChg>
+      <pc:sldChg chg="addSp delSp modSp">
+        <pc:chgData name="John Dango" userId="84ae54e972e39744" providerId="LiveId" clId="{E8347016-50A1-4A32-B5FA-6E539262ECF2}" dt="2019-12-18T14:41:30.531" v="66" actId="1035"/>
+        <pc:sldMkLst>
+          <pc:docMk/>
+          <pc:sldMk cId="1105204061" sldId="278"/>
+        </pc:sldMkLst>
+        <pc:picChg chg="add del mod">
+          <ac:chgData name="John Dango" userId="84ae54e972e39744" providerId="LiveId" clId="{E8347016-50A1-4A32-B5FA-6E539262ECF2}" dt="2019-12-18T14:39:17.615" v="17"/>
+          <ac:picMkLst>
+            <pc:docMk/>
+            <pc:sldMk cId="1105204061" sldId="278"/>
+            <ac:picMk id="2" creationId="{B600A348-DF48-407A-BBA2-C44CEBD4D5B8}"/>
+          </ac:picMkLst>
+        </pc:picChg>
+        <pc:picChg chg="add mod">
+          <ac:chgData name="John Dango" userId="84ae54e972e39744" providerId="LiveId" clId="{E8347016-50A1-4A32-B5FA-6E539262ECF2}" dt="2019-12-18T14:39:51.703" v="50" actId="1036"/>
+          <ac:picMkLst>
+            <pc:docMk/>
+            <pc:sldMk cId="1105204061" sldId="278"/>
+            <ac:picMk id="3" creationId="{0152B722-3B73-4BD2-96E1-5E95EE3F348C}"/>
+          </ac:picMkLst>
+        </pc:picChg>
+        <pc:picChg chg="add del mod">
+          <ac:chgData name="John Dango" userId="84ae54e972e39744" providerId="LiveId" clId="{E8347016-50A1-4A32-B5FA-6E539262ECF2}" dt="2019-12-18T14:41:17.686" v="57"/>
+          <ac:picMkLst>
+            <pc:docMk/>
+            <pc:sldMk cId="1105204061" sldId="278"/>
+            <ac:picMk id="4" creationId="{7D15F8DE-D307-4C56-821F-0D9C35DEF0DC}"/>
+          </ac:picMkLst>
+        </pc:picChg>
+        <pc:picChg chg="add mod">
+          <ac:chgData name="John Dango" userId="84ae54e972e39744" providerId="LiveId" clId="{E8347016-50A1-4A32-B5FA-6E539262ECF2}" dt="2019-12-18T14:41:30.531" v="66" actId="1035"/>
+          <ac:picMkLst>
+            <pc:docMk/>
+            <pc:sldMk cId="1105204061" sldId="278"/>
+            <ac:picMk id="5" creationId="{8D44947C-0CD7-4DAC-9914-CE63D10E3A25}"/>
+          </ac:picMkLst>
+        </pc:picChg>
+        <pc:picChg chg="add del">
+          <ac:chgData name="John Dango" userId="84ae54e972e39744" providerId="LiveId" clId="{E8347016-50A1-4A32-B5FA-6E539262ECF2}" dt="2019-12-18T14:39:18.253" v="18" actId="478"/>
+          <ac:picMkLst>
+            <pc:docMk/>
+            <pc:sldMk cId="1105204061" sldId="278"/>
+            <ac:picMk id="26" creationId="{0DA39783-5A86-460D-A987-B7FF89FBC50D}"/>
+          </ac:picMkLst>
+        </pc:picChg>
+        <pc:picChg chg="add del">
+          <ac:chgData name="John Dango" userId="84ae54e972e39744" providerId="LiveId" clId="{E8347016-50A1-4A32-B5FA-6E539262ECF2}" dt="2019-12-18T14:41:18.138" v="58" actId="478"/>
+          <ac:picMkLst>
+            <pc:docMk/>
+            <pc:sldMk cId="1105204061" sldId="278"/>
+            <ac:picMk id="27" creationId="{4EC1A9AE-DC81-493D-BFA1-6DA5814DC5E5}"/>
           </ac:picMkLst>
         </pc:picChg>
       </pc:sldChg>
@@ -2569,7 +2687,7 @@
           <a:p>
             <a:fld id="{C4E8898E-F4BE-4C10-A355-977F2B268259}" type="datetimeFigureOut">
               <a:rPr lang="en-US" smtClean="0"/>
-              <a:t>11/14/2019</a:t>
+              <a:t>12/18/2019</a:t>
             </a:fld>
             <a:endParaRPr lang="en-US"/>
           </a:p>
@@ -2767,7 +2885,7 @@
           <a:p>
             <a:fld id="{C4E8898E-F4BE-4C10-A355-977F2B268259}" type="datetimeFigureOut">
               <a:rPr lang="en-US" smtClean="0"/>
-              <a:t>11/14/2019</a:t>
+              <a:t>12/18/2019</a:t>
             </a:fld>
             <a:endParaRPr lang="en-US"/>
           </a:p>
@@ -2975,7 +3093,7 @@
           <a:p>
             <a:fld id="{C4E8898E-F4BE-4C10-A355-977F2B268259}" type="datetimeFigureOut">
               <a:rPr lang="en-US" smtClean="0"/>
-              <a:t>11/14/2019</a:t>
+              <a:t>12/18/2019</a:t>
             </a:fld>
             <a:endParaRPr lang="en-US"/>
           </a:p>
@@ -3173,7 +3291,7 @@
           <a:p>
             <a:fld id="{C4E8898E-F4BE-4C10-A355-977F2B268259}" type="datetimeFigureOut">
               <a:rPr lang="en-US" smtClean="0"/>
-              <a:t>11/14/2019</a:t>
+              <a:t>12/18/2019</a:t>
             </a:fld>
             <a:endParaRPr lang="en-US"/>
           </a:p>
@@ -3448,7 +3566,7 @@
           <a:p>
             <a:fld id="{C4E8898E-F4BE-4C10-A355-977F2B268259}" type="datetimeFigureOut">
               <a:rPr lang="en-US" smtClean="0"/>
-              <a:t>11/14/2019</a:t>
+              <a:t>12/18/2019</a:t>
             </a:fld>
             <a:endParaRPr lang="en-US"/>
           </a:p>
@@ -3713,7 +3831,7 @@
           <a:p>
             <a:fld id="{C4E8898E-F4BE-4C10-A355-977F2B268259}" type="datetimeFigureOut">
               <a:rPr lang="en-US" smtClean="0"/>
-              <a:t>11/14/2019</a:t>
+              <a:t>12/18/2019</a:t>
             </a:fld>
             <a:endParaRPr lang="en-US"/>
           </a:p>
@@ -4125,7 +4243,7 @@
           <a:p>
             <a:fld id="{C4E8898E-F4BE-4C10-A355-977F2B268259}" type="datetimeFigureOut">
               <a:rPr lang="en-US" smtClean="0"/>
-              <a:t>11/14/2019</a:t>
+              <a:t>12/18/2019</a:t>
             </a:fld>
             <a:endParaRPr lang="en-US"/>
           </a:p>
@@ -4266,7 +4384,7 @@
           <a:p>
             <a:fld id="{C4E8898E-F4BE-4C10-A355-977F2B268259}" type="datetimeFigureOut">
               <a:rPr lang="en-US" smtClean="0"/>
-              <a:t>11/14/2019</a:t>
+              <a:t>12/18/2019</a:t>
             </a:fld>
             <a:endParaRPr lang="en-US"/>
           </a:p>
@@ -4379,7 +4497,7 @@
           <a:p>
             <a:fld id="{C4E8898E-F4BE-4C10-A355-977F2B268259}" type="datetimeFigureOut">
               <a:rPr lang="en-US" smtClean="0"/>
-              <a:t>11/14/2019</a:t>
+              <a:t>12/18/2019</a:t>
             </a:fld>
             <a:endParaRPr lang="en-US"/>
           </a:p>
@@ -4690,7 +4808,7 @@
           <a:p>
             <a:fld id="{C4E8898E-F4BE-4C10-A355-977F2B268259}" type="datetimeFigureOut">
               <a:rPr lang="en-US" smtClean="0"/>
-              <a:t>11/14/2019</a:t>
+              <a:t>12/18/2019</a:t>
             </a:fld>
             <a:endParaRPr lang="en-US"/>
           </a:p>
@@ -4978,7 +5096,7 @@
           <a:p>
             <a:fld id="{C4E8898E-F4BE-4C10-A355-977F2B268259}" type="datetimeFigureOut">
               <a:rPr lang="en-US" smtClean="0"/>
-              <a:t>11/14/2019</a:t>
+              <a:t>12/18/2019</a:t>
             </a:fld>
             <a:endParaRPr lang="en-US"/>
           </a:p>
@@ -5219,7 +5337,7 @@
           <a:p>
             <a:fld id="{C4E8898E-F4BE-4C10-A355-977F2B268259}" type="datetimeFigureOut">
               <a:rPr lang="en-US" smtClean="0"/>
-              <a:t>11/14/2019</a:t>
+              <a:t>12/18/2019</a:t>
             </a:fld>
             <a:endParaRPr lang="en-US"/>
           </a:p>
@@ -8785,7 +8903,7 @@
                   <a:srgbClr val="00B050"/>
                 </a:solidFill>
               </a:rPr>
-              <a:t>RFC</a:t>
+              <a:t>GBT</a:t>
             </a:r>
           </a:p>
         </p:txBody>
@@ -8814,6 +8932,36 @@
           <a:xfrm>
             <a:off x="3037080" y="986884"/>
             <a:ext cx="6117840" cy="3029304"/>
+          </a:xfrm>
+          <a:prstGeom prst="rect">
+            <a:avLst/>
+          </a:prstGeom>
+        </p:spPr>
+      </p:pic>
+      <p:pic>
+        <p:nvPicPr>
+          <p:cNvPr id="2" name="Picture 1">
+            <a:extLst>
+              <a:ext uri="{FF2B5EF4-FFF2-40B4-BE49-F238E27FC236}">
+                <a16:creationId xmlns:a16="http://schemas.microsoft.com/office/drawing/2014/main" id="{7E64EE31-5696-48C1-8056-906512FFAF31}"/>
+              </a:ext>
+            </a:extLst>
+          </p:cNvPr>
+          <p:cNvPicPr>
+            <a:picLocks noChangeAspect="1"/>
+          </p:cNvPicPr>
+          <p:nvPr/>
+        </p:nvPicPr>
+        <p:blipFill>
+          <a:blip r:embed="rId3"/>
+          <a:stretch>
+            <a:fillRect/>
+          </a:stretch>
+        </p:blipFill>
+        <p:spPr>
+          <a:xfrm>
+            <a:off x="2781417" y="912434"/>
+            <a:ext cx="6488090" cy="3386214"/>
           </a:xfrm>
           <a:prstGeom prst="rect">
             <a:avLst/>
@@ -8936,10 +9084,10 @@
       </p:sp>
       <p:pic>
         <p:nvPicPr>
-          <p:cNvPr id="17" name="Picture 16">
-            <a:extLst>
-              <a:ext uri="{FF2B5EF4-FFF2-40B4-BE49-F238E27FC236}">
-                <a16:creationId xmlns:a16="http://schemas.microsoft.com/office/drawing/2014/main" id="{B48C28B0-137B-4CB9-AB4C-23E22CB50F3A}"/>
+          <p:cNvPr id="18" name="Picture 17">
+            <a:extLst>
+              <a:ext uri="{FF2B5EF4-FFF2-40B4-BE49-F238E27FC236}">
+                <a16:creationId xmlns:a16="http://schemas.microsoft.com/office/drawing/2014/main" id="{1DA9FD6D-C832-49F9-8360-C030F8606080}"/>
               </a:ext>
             </a:extLst>
           </p:cNvPr>
@@ -8956,8 +9104,8 @@
         </p:blipFill>
         <p:spPr>
           <a:xfrm>
-            <a:off x="3167277" y="373880"/>
-            <a:ext cx="5739643" cy="2954505"/>
+            <a:off x="3167277" y="3903096"/>
+            <a:ext cx="5674381" cy="2939964"/>
           </a:xfrm>
           <a:prstGeom prst="rect">
             <a:avLst/>
@@ -8966,10 +9114,10 @@
       </p:pic>
       <p:pic>
         <p:nvPicPr>
-          <p:cNvPr id="18" name="Picture 17">
-            <a:extLst>
-              <a:ext uri="{FF2B5EF4-FFF2-40B4-BE49-F238E27FC236}">
-                <a16:creationId xmlns:a16="http://schemas.microsoft.com/office/drawing/2014/main" id="{1DA9FD6D-C832-49F9-8360-C030F8606080}"/>
+          <p:cNvPr id="3" name="Picture 2">
+            <a:extLst>
+              <a:ext uri="{FF2B5EF4-FFF2-40B4-BE49-F238E27FC236}">
+                <a16:creationId xmlns:a16="http://schemas.microsoft.com/office/drawing/2014/main" id="{6A24DC74-666A-43D4-89A1-A2A034839D84}"/>
               </a:ext>
             </a:extLst>
           </p:cNvPr>
@@ -8986,8 +9134,8 @@
         </p:blipFill>
         <p:spPr>
           <a:xfrm>
-            <a:off x="3167277" y="3903096"/>
-            <a:ext cx="5674381" cy="2939964"/>
+            <a:off x="3133733" y="353548"/>
+            <a:ext cx="5890981" cy="2939964"/>
           </a:xfrm>
           <a:prstGeom prst="rect">
             <a:avLst/>
@@ -9382,6 +9530,66 @@
           <a:xfrm>
             <a:off x="490024" y="4324549"/>
             <a:ext cx="4718343" cy="2409554"/>
+          </a:xfrm>
+          <a:prstGeom prst="rect">
+            <a:avLst/>
+          </a:prstGeom>
+        </p:spPr>
+      </p:pic>
+      <p:pic>
+        <p:nvPicPr>
+          <p:cNvPr id="3" name="Picture 2">
+            <a:extLst>
+              <a:ext uri="{FF2B5EF4-FFF2-40B4-BE49-F238E27FC236}">
+                <a16:creationId xmlns:a16="http://schemas.microsoft.com/office/drawing/2014/main" id="{0152B722-3B73-4BD2-96E1-5E95EE3F348C}"/>
+              </a:ext>
+            </a:extLst>
+          </p:cNvPr>
+          <p:cNvPicPr>
+            <a:picLocks noChangeAspect="1"/>
+          </p:cNvPicPr>
+          <p:nvPr/>
+        </p:nvPicPr>
+        <p:blipFill>
+          <a:blip r:embed="rId6"/>
+          <a:stretch>
+            <a:fillRect/>
+          </a:stretch>
+        </p:blipFill>
+        <p:spPr>
+          <a:xfrm>
+            <a:off x="6354747" y="782194"/>
+            <a:ext cx="4640383" cy="2442065"/>
+          </a:xfrm>
+          <a:prstGeom prst="rect">
+            <a:avLst/>
+          </a:prstGeom>
+        </p:spPr>
+      </p:pic>
+      <p:pic>
+        <p:nvPicPr>
+          <p:cNvPr id="5" name="Picture 4">
+            <a:extLst>
+              <a:ext uri="{FF2B5EF4-FFF2-40B4-BE49-F238E27FC236}">
+                <a16:creationId xmlns:a16="http://schemas.microsoft.com/office/drawing/2014/main" id="{8D44947C-0CD7-4DAC-9914-CE63D10E3A25}"/>
+              </a:ext>
+            </a:extLst>
+          </p:cNvPr>
+          <p:cNvPicPr>
+            <a:picLocks noChangeAspect="1"/>
+          </p:cNvPicPr>
+          <p:nvPr/>
+        </p:nvPicPr>
+        <p:blipFill>
+          <a:blip r:embed="rId7"/>
+          <a:stretch>
+            <a:fillRect/>
+          </a:stretch>
+        </p:blipFill>
+        <p:spPr>
+          <a:xfrm>
+            <a:off x="6416305" y="4311597"/>
+            <a:ext cx="4804824" cy="2409555"/>
           </a:xfrm>
           <a:prstGeom prst="rect">
             <a:avLst/>
